--- a/ppt/1강.pptx
+++ b/ppt/1강.pptx
@@ -5,22 +5,23 @@
     <p:sldMasterId id="2147483648" r:id="rId1"/>
   </p:sldMasterIdLst>
   <p:notesMasterIdLst>
-    <p:notesMasterId r:id="rId15"/>
+    <p:notesMasterId r:id="rId16"/>
   </p:notesMasterIdLst>
   <p:sldIdLst>
     <p:sldId id="261" r:id="rId2"/>
-    <p:sldId id="262" r:id="rId3"/>
-    <p:sldId id="263" r:id="rId4"/>
-    <p:sldId id="264" r:id="rId5"/>
-    <p:sldId id="257" r:id="rId6"/>
-    <p:sldId id="259" r:id="rId7"/>
-    <p:sldId id="258" r:id="rId8"/>
-    <p:sldId id="269" r:id="rId9"/>
-    <p:sldId id="270" r:id="rId10"/>
-    <p:sldId id="260" r:id="rId11"/>
-    <p:sldId id="265" r:id="rId12"/>
-    <p:sldId id="271" r:id="rId13"/>
-    <p:sldId id="268" r:id="rId14"/>
+    <p:sldId id="272" r:id="rId3"/>
+    <p:sldId id="262" r:id="rId4"/>
+    <p:sldId id="263" r:id="rId5"/>
+    <p:sldId id="264" r:id="rId6"/>
+    <p:sldId id="257" r:id="rId7"/>
+    <p:sldId id="259" r:id="rId8"/>
+    <p:sldId id="258" r:id="rId9"/>
+    <p:sldId id="269" r:id="rId10"/>
+    <p:sldId id="270" r:id="rId11"/>
+    <p:sldId id="260" r:id="rId12"/>
+    <p:sldId id="265" r:id="rId13"/>
+    <p:sldId id="271" r:id="rId14"/>
+    <p:sldId id="268" r:id="rId15"/>
   </p:sldIdLst>
   <p:sldSz cx="12192000" cy="6858000"/>
   <p:notesSz cx="6858000" cy="9144000"/>
@@ -212,7 +213,7 @@
           <a:p>
             <a:fld id="{43F25190-ED08-4FB6-9615-C10C6A31669A}" type="datetimeFigureOut">
               <a:rPr lang="ko-KR" altLang="en-US" smtClean="0"/>
-              <a:t>2019-04-03</a:t>
+              <a:t>2019-04-04</a:t>
             </a:fld>
             <a:endParaRPr lang="ko-KR" altLang="en-US"/>
           </a:p>
@@ -724,7 +725,7 @@
           <a:p>
             <a:fld id="{A5B97A08-1E69-41A7-AF20-AA15F8275F8F}" type="slidenum">
               <a:rPr lang="ko-KR" altLang="en-US" smtClean="0"/>
-              <a:t>2</a:t>
+              <a:t>3</a:t>
             </a:fld>
             <a:endParaRPr lang="ko-KR" altLang="en-US"/>
           </a:p>
@@ -847,7 +848,7 @@
           <a:p>
             <a:fld id="{A5B97A08-1E69-41A7-AF20-AA15F8275F8F}" type="slidenum">
               <a:rPr lang="ko-KR" altLang="en-US" smtClean="0"/>
-              <a:t>3</a:t>
+              <a:t>4</a:t>
             </a:fld>
             <a:endParaRPr lang="ko-KR" altLang="en-US"/>
           </a:p>
@@ -935,7 +936,7 @@
           <a:p>
             <a:fld id="{A5B97A08-1E69-41A7-AF20-AA15F8275F8F}" type="slidenum">
               <a:rPr lang="ko-KR" altLang="en-US" smtClean="0"/>
-              <a:t>4</a:t>
+              <a:t>5</a:t>
             </a:fld>
             <a:endParaRPr lang="ko-KR" altLang="en-US"/>
           </a:p>
@@ -1019,7 +1020,7 @@
           <a:p>
             <a:fld id="{A5B97A08-1E69-41A7-AF20-AA15F8275F8F}" type="slidenum">
               <a:rPr lang="ko-KR" altLang="en-US" smtClean="0"/>
-              <a:t>5</a:t>
+              <a:t>6</a:t>
             </a:fld>
             <a:endParaRPr lang="ko-KR" altLang="en-US"/>
           </a:p>
@@ -1103,7 +1104,7 @@
           <a:p>
             <a:fld id="{A5B97A08-1E69-41A7-AF20-AA15F8275F8F}" type="slidenum">
               <a:rPr lang="ko-KR" altLang="en-US" smtClean="0"/>
-              <a:t>12</a:t>
+              <a:t>13</a:t>
             </a:fld>
             <a:endParaRPr lang="ko-KR" altLang="en-US"/>
           </a:p>
@@ -1144,7 +1145,7 @@
           <p:cNvPr id="7" name="그림 6">
             <a:extLst>
               <a:ext uri="{FF2B5EF4-FFF2-40B4-BE49-F238E27FC236}">
-                <a16:creationId xmlns:a16="http://schemas.microsoft.com/office/drawing/2014/main" xmlns="" id="{8A6F16AE-5C7F-4C39-9131-E235C6B6A612}"/>
+                <a16:creationId xmlns="" xmlns:a16="http://schemas.microsoft.com/office/drawing/2014/main" id="{8A6F16AE-5C7F-4C39-9131-E235C6B6A612}"/>
               </a:ext>
             </a:extLst>
           </p:cNvPr>
@@ -1180,7 +1181,7 @@
           <p:cNvPr id="8" name="TextBox 7">
             <a:extLst>
               <a:ext uri="{FF2B5EF4-FFF2-40B4-BE49-F238E27FC236}">
-                <a16:creationId xmlns:a16="http://schemas.microsoft.com/office/drawing/2014/main" xmlns="" id="{37D4568A-0455-46F9-8977-B1D6ECDCF84B}"/>
+                <a16:creationId xmlns="" xmlns:a16="http://schemas.microsoft.com/office/drawing/2014/main" id="{37D4568A-0455-46F9-8977-B1D6ECDCF84B}"/>
               </a:ext>
             </a:extLst>
           </p:cNvPr>
@@ -1229,7 +1230,7 @@
           <p:cNvPr id="9" name="TextBox 8">
             <a:extLst>
               <a:ext uri="{FF2B5EF4-FFF2-40B4-BE49-F238E27FC236}">
-                <a16:creationId xmlns:a16="http://schemas.microsoft.com/office/drawing/2014/main" xmlns="" id="{6836A840-4E20-4D82-AD01-4CF0A4EE6E85}"/>
+                <a16:creationId xmlns="" xmlns:a16="http://schemas.microsoft.com/office/drawing/2014/main" id="{6836A840-4E20-4D82-AD01-4CF0A4EE6E85}"/>
               </a:ext>
             </a:extLst>
           </p:cNvPr>
@@ -1281,7 +1282,7 @@
           <p:cNvPr id="10" name="Прямоугольный треугольник 11">
             <a:extLst>
               <a:ext uri="{FF2B5EF4-FFF2-40B4-BE49-F238E27FC236}">
-                <a16:creationId xmlns:a16="http://schemas.microsoft.com/office/drawing/2014/main" xmlns="" id="{A5B22DEB-55F9-4001-80EC-A4674BC4F5F6}"/>
+                <a16:creationId xmlns="" xmlns:a16="http://schemas.microsoft.com/office/drawing/2014/main" id="{A5B22DEB-55F9-4001-80EC-A4674BC4F5F6}"/>
               </a:ext>
             </a:extLst>
           </p:cNvPr>
@@ -1403,7 +1404,7 @@
           <p:cNvPr id="11" name="Параллелограмм 17">
             <a:extLst>
               <a:ext uri="{FF2B5EF4-FFF2-40B4-BE49-F238E27FC236}">
-                <a16:creationId xmlns:a16="http://schemas.microsoft.com/office/drawing/2014/main" xmlns="" id="{BA54AB6F-CC53-4E00-97E6-AA9FC3DC0C25}"/>
+                <a16:creationId xmlns="" xmlns:a16="http://schemas.microsoft.com/office/drawing/2014/main" id="{BA54AB6F-CC53-4E00-97E6-AA9FC3DC0C25}"/>
               </a:ext>
             </a:extLst>
           </p:cNvPr>
@@ -1585,7 +1586,7 @@
           <p:cNvPr id="6" name="그림 5">
             <a:extLst>
               <a:ext uri="{FF2B5EF4-FFF2-40B4-BE49-F238E27FC236}">
-                <a16:creationId xmlns:a16="http://schemas.microsoft.com/office/drawing/2014/main" xmlns="" id="{69C9B086-C952-4F64-9A38-C55597E5C3BD}"/>
+                <a16:creationId xmlns="" xmlns:a16="http://schemas.microsoft.com/office/drawing/2014/main" id="{69C9B086-C952-4F64-9A38-C55597E5C3BD}"/>
               </a:ext>
             </a:extLst>
           </p:cNvPr>
@@ -1621,7 +1622,7 @@
           <p:cNvPr id="7" name="TextBox 6">
             <a:extLst>
               <a:ext uri="{FF2B5EF4-FFF2-40B4-BE49-F238E27FC236}">
-                <a16:creationId xmlns:a16="http://schemas.microsoft.com/office/drawing/2014/main" xmlns="" id="{19262303-712C-41FF-A0C2-3F725CFB6182}"/>
+                <a16:creationId xmlns="" xmlns:a16="http://schemas.microsoft.com/office/drawing/2014/main" id="{19262303-712C-41FF-A0C2-3F725CFB6182}"/>
               </a:ext>
             </a:extLst>
           </p:cNvPr>
@@ -1670,7 +1671,7 @@
           <p:cNvPr id="8" name="TextBox 7">
             <a:extLst>
               <a:ext uri="{FF2B5EF4-FFF2-40B4-BE49-F238E27FC236}">
-                <a16:creationId xmlns:a16="http://schemas.microsoft.com/office/drawing/2014/main" xmlns="" id="{83E402CD-9736-4CC2-9239-B6EC7D2EB1D0}"/>
+                <a16:creationId xmlns="" xmlns:a16="http://schemas.microsoft.com/office/drawing/2014/main" id="{83E402CD-9736-4CC2-9239-B6EC7D2EB1D0}"/>
               </a:ext>
             </a:extLst>
           </p:cNvPr>
@@ -1722,7 +1723,7 @@
           <p:cNvPr id="9" name="타원 8">
             <a:extLst>
               <a:ext uri="{FF2B5EF4-FFF2-40B4-BE49-F238E27FC236}">
-                <a16:creationId xmlns:a16="http://schemas.microsoft.com/office/drawing/2014/main" xmlns="" id="{AD2D6173-E840-4B8D-A217-96F478E0D0CF}"/>
+                <a16:creationId xmlns="" xmlns:a16="http://schemas.microsoft.com/office/drawing/2014/main" id="{AD2D6173-E840-4B8D-A217-96F478E0D0CF}"/>
               </a:ext>
             </a:extLst>
           </p:cNvPr>
@@ -1776,7 +1777,7 @@
           <p:cNvPr id="10" name="타원 9">
             <a:extLst>
               <a:ext uri="{FF2B5EF4-FFF2-40B4-BE49-F238E27FC236}">
-                <a16:creationId xmlns:a16="http://schemas.microsoft.com/office/drawing/2014/main" xmlns="" id="{5F92BDB5-11F1-4EEB-B8C2-B943E3BC2BF9}"/>
+                <a16:creationId xmlns="" xmlns:a16="http://schemas.microsoft.com/office/drawing/2014/main" id="{5F92BDB5-11F1-4EEB-B8C2-B943E3BC2BF9}"/>
               </a:ext>
             </a:extLst>
           </p:cNvPr>
@@ -1830,7 +1831,7 @@
           <p:cNvPr id="11" name="타원 10">
             <a:extLst>
               <a:ext uri="{FF2B5EF4-FFF2-40B4-BE49-F238E27FC236}">
-                <a16:creationId xmlns:a16="http://schemas.microsoft.com/office/drawing/2014/main" xmlns="" id="{B8E3E5EC-F37F-42B7-924D-3CD1250D640B}"/>
+                <a16:creationId xmlns="" xmlns:a16="http://schemas.microsoft.com/office/drawing/2014/main" id="{B8E3E5EC-F37F-42B7-924D-3CD1250D640B}"/>
               </a:ext>
             </a:extLst>
           </p:cNvPr>
@@ -1884,7 +1885,7 @@
           <p:cNvPr id="12" name="타원 11">
             <a:extLst>
               <a:ext uri="{FF2B5EF4-FFF2-40B4-BE49-F238E27FC236}">
-                <a16:creationId xmlns:a16="http://schemas.microsoft.com/office/drawing/2014/main" xmlns="" id="{49051129-6F14-4F8D-983B-11673C882BBC}"/>
+                <a16:creationId xmlns="" xmlns:a16="http://schemas.microsoft.com/office/drawing/2014/main" id="{49051129-6F14-4F8D-983B-11673C882BBC}"/>
               </a:ext>
             </a:extLst>
           </p:cNvPr>
@@ -1938,7 +1939,7 @@
           <p:cNvPr id="13" name="타원 12">
             <a:extLst>
               <a:ext uri="{FF2B5EF4-FFF2-40B4-BE49-F238E27FC236}">
-                <a16:creationId xmlns:a16="http://schemas.microsoft.com/office/drawing/2014/main" xmlns="" id="{52B681B3-A5BA-479F-8955-FEAB9E161528}"/>
+                <a16:creationId xmlns="" xmlns:a16="http://schemas.microsoft.com/office/drawing/2014/main" id="{52B681B3-A5BA-479F-8955-FEAB9E161528}"/>
               </a:ext>
             </a:extLst>
           </p:cNvPr>
@@ -1992,7 +1993,7 @@
           <p:cNvPr id="14" name="타원 13">
             <a:extLst>
               <a:ext uri="{FF2B5EF4-FFF2-40B4-BE49-F238E27FC236}">
-                <a16:creationId xmlns:a16="http://schemas.microsoft.com/office/drawing/2014/main" xmlns="" id="{E9F80810-2286-4A4B-B1F0-EECA6688297C}"/>
+                <a16:creationId xmlns="" xmlns:a16="http://schemas.microsoft.com/office/drawing/2014/main" id="{E9F80810-2286-4A4B-B1F0-EECA6688297C}"/>
               </a:ext>
             </a:extLst>
           </p:cNvPr>
@@ -2046,7 +2047,7 @@
           <p:cNvPr id="15" name="타원 14">
             <a:extLst>
               <a:ext uri="{FF2B5EF4-FFF2-40B4-BE49-F238E27FC236}">
-                <a16:creationId xmlns:a16="http://schemas.microsoft.com/office/drawing/2014/main" xmlns="" id="{CE659B26-A61C-4883-9ECA-0FCC836F5835}"/>
+                <a16:creationId xmlns="" xmlns:a16="http://schemas.microsoft.com/office/drawing/2014/main" id="{CE659B26-A61C-4883-9ECA-0FCC836F5835}"/>
               </a:ext>
             </a:extLst>
           </p:cNvPr>
@@ -2100,7 +2101,7 @@
           <p:cNvPr id="16" name="타원 15">
             <a:extLst>
               <a:ext uri="{FF2B5EF4-FFF2-40B4-BE49-F238E27FC236}">
-                <a16:creationId xmlns:a16="http://schemas.microsoft.com/office/drawing/2014/main" xmlns="" id="{56E80CD1-4DF1-4D36-B353-A99447BF0F02}"/>
+                <a16:creationId xmlns="" xmlns:a16="http://schemas.microsoft.com/office/drawing/2014/main" id="{56E80CD1-4DF1-4D36-B353-A99447BF0F02}"/>
               </a:ext>
             </a:extLst>
           </p:cNvPr>
@@ -2184,7 +2185,7 @@
           <p:cNvPr id="2" name="제목 1">
             <a:extLst>
               <a:ext uri="{FF2B5EF4-FFF2-40B4-BE49-F238E27FC236}">
-                <a16:creationId xmlns:a16="http://schemas.microsoft.com/office/drawing/2014/main" xmlns="" id="{1E8C42BD-1DE5-46FB-8385-C6571A996E9D}"/>
+                <a16:creationId xmlns="" xmlns:a16="http://schemas.microsoft.com/office/drawing/2014/main" id="{1E8C42BD-1DE5-46FB-8385-C6571A996E9D}"/>
               </a:ext>
             </a:extLst>
           </p:cNvPr>
@@ -2212,7 +2213,7 @@
           <p:cNvPr id="3" name="날짜 개체 틀 2">
             <a:extLst>
               <a:ext uri="{FF2B5EF4-FFF2-40B4-BE49-F238E27FC236}">
-                <a16:creationId xmlns:a16="http://schemas.microsoft.com/office/drawing/2014/main" xmlns="" id="{EB75D8F0-D82F-477E-9A70-61628ECA000B}"/>
+                <a16:creationId xmlns="" xmlns:a16="http://schemas.microsoft.com/office/drawing/2014/main" id="{EB75D8F0-D82F-477E-9A70-61628ECA000B}"/>
               </a:ext>
             </a:extLst>
           </p:cNvPr>
@@ -2230,7 +2231,7 @@
           <a:p>
             <a:fld id="{EC28EC2B-DE22-4D97-9FBE-8D0A9719F4AC}" type="datetimeFigureOut">
               <a:rPr lang="ko-KR" altLang="en-US" smtClean="0"/>
-              <a:t>2019-04-03</a:t>
+              <a:t>2019-04-04</a:t>
             </a:fld>
             <a:endParaRPr lang="ko-KR" altLang="en-US"/>
           </a:p>
@@ -2241,7 +2242,7 @@
           <p:cNvPr id="4" name="바닥글 개체 틀 3">
             <a:extLst>
               <a:ext uri="{FF2B5EF4-FFF2-40B4-BE49-F238E27FC236}">
-                <a16:creationId xmlns:a16="http://schemas.microsoft.com/office/drawing/2014/main" xmlns="" id="{4643D524-2CC2-4046-B8B0-B949299D7A6D}"/>
+                <a16:creationId xmlns="" xmlns:a16="http://schemas.microsoft.com/office/drawing/2014/main" id="{4643D524-2CC2-4046-B8B0-B949299D7A6D}"/>
               </a:ext>
             </a:extLst>
           </p:cNvPr>
@@ -2266,7 +2267,7 @@
           <p:cNvPr id="5" name="슬라이드 번호 개체 틀 4">
             <a:extLst>
               <a:ext uri="{FF2B5EF4-FFF2-40B4-BE49-F238E27FC236}">
-                <a16:creationId xmlns:a16="http://schemas.microsoft.com/office/drawing/2014/main" xmlns="" id="{EDA66E7F-4E40-4454-9B08-E431B6744AA6}"/>
+                <a16:creationId xmlns="" xmlns:a16="http://schemas.microsoft.com/office/drawing/2014/main" id="{EDA66E7F-4E40-4454-9B08-E431B6744AA6}"/>
               </a:ext>
             </a:extLst>
           </p:cNvPr>
@@ -2325,7 +2326,7 @@
           <p:cNvPr id="39" name="그룹 38">
             <a:extLst>
               <a:ext uri="{FF2B5EF4-FFF2-40B4-BE49-F238E27FC236}">
-                <a16:creationId xmlns:a16="http://schemas.microsoft.com/office/drawing/2014/main" xmlns="" id="{A45DDDA3-32F6-48CB-A8D8-14D816ED84AF}"/>
+                <a16:creationId xmlns="" xmlns:a16="http://schemas.microsoft.com/office/drawing/2014/main" id="{A45DDDA3-32F6-48CB-A8D8-14D816ED84AF}"/>
               </a:ext>
             </a:extLst>
           </p:cNvPr>
@@ -2345,7 +2346,7 @@
             <p:cNvPr id="25" name="육각형 24">
               <a:extLst>
                 <a:ext uri="{FF2B5EF4-FFF2-40B4-BE49-F238E27FC236}">
-                  <a16:creationId xmlns:a16="http://schemas.microsoft.com/office/drawing/2014/main" xmlns="" id="{D36904B0-63FE-4B75-BF68-EBB371053D5F}"/>
+                  <a16:creationId xmlns="" xmlns:a16="http://schemas.microsoft.com/office/drawing/2014/main" id="{D36904B0-63FE-4B75-BF68-EBB371053D5F}"/>
                 </a:ext>
               </a:extLst>
             </p:cNvPr>
@@ -2406,7 +2407,7 @@
             <p:cNvPr id="36" name="육각형 35">
               <a:extLst>
                 <a:ext uri="{FF2B5EF4-FFF2-40B4-BE49-F238E27FC236}">
-                  <a16:creationId xmlns:a16="http://schemas.microsoft.com/office/drawing/2014/main" xmlns="" id="{C029E3B1-0616-4643-8752-E35949571A63}"/>
+                  <a16:creationId xmlns="" xmlns:a16="http://schemas.microsoft.com/office/drawing/2014/main" id="{C029E3B1-0616-4643-8752-E35949571A63}"/>
                 </a:ext>
               </a:extLst>
             </p:cNvPr>
@@ -2466,7 +2467,7 @@
             <p:cNvPr id="37" name="육각형 36">
               <a:extLst>
                 <a:ext uri="{FF2B5EF4-FFF2-40B4-BE49-F238E27FC236}">
-                  <a16:creationId xmlns:a16="http://schemas.microsoft.com/office/drawing/2014/main" xmlns="" id="{29359650-2544-41D5-88DE-5CA02F6EE256}"/>
+                  <a16:creationId xmlns="" xmlns:a16="http://schemas.microsoft.com/office/drawing/2014/main" id="{29359650-2544-41D5-88DE-5CA02F6EE256}"/>
                 </a:ext>
               </a:extLst>
             </p:cNvPr>
@@ -2526,7 +2527,7 @@
             <p:cNvPr id="26" name="육각형 25">
               <a:extLst>
                 <a:ext uri="{FF2B5EF4-FFF2-40B4-BE49-F238E27FC236}">
-                  <a16:creationId xmlns:a16="http://schemas.microsoft.com/office/drawing/2014/main" xmlns="" id="{9EBF47D0-68BF-4B7F-B7CE-BA95BE25BD6A}"/>
+                  <a16:creationId xmlns="" xmlns:a16="http://schemas.microsoft.com/office/drawing/2014/main" id="{9EBF47D0-68BF-4B7F-B7CE-BA95BE25BD6A}"/>
                 </a:ext>
               </a:extLst>
             </p:cNvPr>
@@ -2655,7 +2656,7 @@
           <p:cNvPr id="5" name="직사각형 4">
             <a:extLst>
               <a:ext uri="{FF2B5EF4-FFF2-40B4-BE49-F238E27FC236}">
-                <a16:creationId xmlns:a16="http://schemas.microsoft.com/office/drawing/2014/main" xmlns="" id="{BA1686E7-6701-4F2A-8F3B-E3B4F13B0EB2}"/>
+                <a16:creationId xmlns="" xmlns:a16="http://schemas.microsoft.com/office/drawing/2014/main" id="{BA1686E7-6701-4F2A-8F3B-E3B4F13B0EB2}"/>
               </a:ext>
             </a:extLst>
           </p:cNvPr>
@@ -2794,7 +2795,7 @@
           <p:cNvPr id="2" name="제목 개체 틀 1">
             <a:extLst>
               <a:ext uri="{FF2B5EF4-FFF2-40B4-BE49-F238E27FC236}">
-                <a16:creationId xmlns:a16="http://schemas.microsoft.com/office/drawing/2014/main" xmlns="" id="{1DBD9734-F9A0-4801-B250-7F50BD816D67}"/>
+                <a16:creationId xmlns="" xmlns:a16="http://schemas.microsoft.com/office/drawing/2014/main" id="{1DBD9734-F9A0-4801-B250-7F50BD816D67}"/>
               </a:ext>
             </a:extLst>
           </p:cNvPr>
@@ -2832,7 +2833,7 @@
           <p:cNvPr id="3" name="텍스트 개체 틀 2">
             <a:extLst>
               <a:ext uri="{FF2B5EF4-FFF2-40B4-BE49-F238E27FC236}">
-                <a16:creationId xmlns:a16="http://schemas.microsoft.com/office/drawing/2014/main" xmlns="" id="{E5AA3AC4-683B-4781-B4AD-05D7DBF8A918}"/>
+                <a16:creationId xmlns="" xmlns:a16="http://schemas.microsoft.com/office/drawing/2014/main" id="{E5AA3AC4-683B-4781-B4AD-05D7DBF8A918}"/>
               </a:ext>
             </a:extLst>
           </p:cNvPr>
@@ -2899,7 +2900,7 @@
           <p:cNvPr id="4" name="날짜 개체 틀 3">
             <a:extLst>
               <a:ext uri="{FF2B5EF4-FFF2-40B4-BE49-F238E27FC236}">
-                <a16:creationId xmlns:a16="http://schemas.microsoft.com/office/drawing/2014/main" xmlns="" id="{A9248EE6-9337-4B92-8B00-C40E2A4CBB58}"/>
+                <a16:creationId xmlns="" xmlns:a16="http://schemas.microsoft.com/office/drawing/2014/main" id="{A9248EE6-9337-4B92-8B00-C40E2A4CBB58}"/>
               </a:ext>
             </a:extLst>
           </p:cNvPr>
@@ -2935,7 +2936,7 @@
           <a:p>
             <a:fld id="{EC28EC2B-DE22-4D97-9FBE-8D0A9719F4AC}" type="datetimeFigureOut">
               <a:rPr lang="ko-KR" altLang="en-US" smtClean="0"/>
-              <a:t>2019-04-03</a:t>
+              <a:t>2019-04-04</a:t>
             </a:fld>
             <a:endParaRPr lang="ko-KR" altLang="en-US"/>
           </a:p>
@@ -2946,7 +2947,7 @@
           <p:cNvPr id="5" name="바닥글 개체 틀 4">
             <a:extLst>
               <a:ext uri="{FF2B5EF4-FFF2-40B4-BE49-F238E27FC236}">
-                <a16:creationId xmlns:a16="http://schemas.microsoft.com/office/drawing/2014/main" xmlns="" id="{397CA54D-216F-4975-9A5D-9484C12271F0}"/>
+                <a16:creationId xmlns="" xmlns:a16="http://schemas.microsoft.com/office/drawing/2014/main" id="{397CA54D-216F-4975-9A5D-9484C12271F0}"/>
               </a:ext>
             </a:extLst>
           </p:cNvPr>
@@ -2989,7 +2990,7 @@
           <p:cNvPr id="6" name="슬라이드 번호 개체 틀 5">
             <a:extLst>
               <a:ext uri="{FF2B5EF4-FFF2-40B4-BE49-F238E27FC236}">
-                <a16:creationId xmlns:a16="http://schemas.microsoft.com/office/drawing/2014/main" xmlns="" id="{CB3B54B8-E1B4-480C-B0F3-E6B18BE78457}"/>
+                <a16:creationId xmlns="" xmlns:a16="http://schemas.microsoft.com/office/drawing/2014/main" id="{CB3B54B8-E1B4-480C-B0F3-E6B18BE78457}"/>
               </a:ext>
             </a:extLst>
           </p:cNvPr>
@@ -3351,7 +3352,7 @@
           <p:cNvPr id="3" name="그림 2">
             <a:extLst>
               <a:ext uri="{FF2B5EF4-FFF2-40B4-BE49-F238E27FC236}">
-                <a16:creationId xmlns:a16="http://schemas.microsoft.com/office/drawing/2014/main" xmlns="" id="{0269E28C-4D66-40F8-836D-93E7D76CA827}"/>
+                <a16:creationId xmlns="" xmlns:a16="http://schemas.microsoft.com/office/drawing/2014/main" id="{0269E28C-4D66-40F8-836D-93E7D76CA827}"/>
               </a:ext>
             </a:extLst>
           </p:cNvPr>
@@ -3387,7 +3388,7 @@
           <p:cNvPr id="4" name="TextBox 3">
             <a:extLst>
               <a:ext uri="{FF2B5EF4-FFF2-40B4-BE49-F238E27FC236}">
-                <a16:creationId xmlns:a16="http://schemas.microsoft.com/office/drawing/2014/main" xmlns="" id="{6FFCB628-D48F-4844-8FDF-08B1AE9F3268}"/>
+                <a16:creationId xmlns="" xmlns:a16="http://schemas.microsoft.com/office/drawing/2014/main" id="{6FFCB628-D48F-4844-8FDF-08B1AE9F3268}"/>
               </a:ext>
             </a:extLst>
           </p:cNvPr>
@@ -3436,7 +3437,7 @@
           <p:cNvPr id="5" name="TextBox 4">
             <a:extLst>
               <a:ext uri="{FF2B5EF4-FFF2-40B4-BE49-F238E27FC236}">
-                <a16:creationId xmlns:a16="http://schemas.microsoft.com/office/drawing/2014/main" xmlns="" id="{FDED34E8-6674-4F1E-96E2-44FC7AA40A4C}"/>
+                <a16:creationId xmlns="" xmlns:a16="http://schemas.microsoft.com/office/drawing/2014/main" id="{FDED34E8-6674-4F1E-96E2-44FC7AA40A4C}"/>
               </a:ext>
             </a:extLst>
           </p:cNvPr>
@@ -3488,7 +3489,7 @@
           <p:cNvPr id="17" name="Прямоугольный треугольник 11">
             <a:extLst>
               <a:ext uri="{FF2B5EF4-FFF2-40B4-BE49-F238E27FC236}">
-                <a16:creationId xmlns:a16="http://schemas.microsoft.com/office/drawing/2014/main" xmlns="" id="{F60FFECF-3036-4068-992B-01C855544268}"/>
+                <a16:creationId xmlns="" xmlns:a16="http://schemas.microsoft.com/office/drawing/2014/main" id="{F60FFECF-3036-4068-992B-01C855544268}"/>
               </a:ext>
             </a:extLst>
           </p:cNvPr>
@@ -3610,7 +3611,7 @@
           <p:cNvPr id="18" name="Параллелограмм 17">
             <a:extLst>
               <a:ext uri="{FF2B5EF4-FFF2-40B4-BE49-F238E27FC236}">
-                <a16:creationId xmlns:a16="http://schemas.microsoft.com/office/drawing/2014/main" xmlns="" id="{93C980C2-41A9-43F6-85B6-25BFD495EDD3}"/>
+                <a16:creationId xmlns="" xmlns:a16="http://schemas.microsoft.com/office/drawing/2014/main" id="{93C980C2-41A9-43F6-85B6-25BFD495EDD3}"/>
               </a:ext>
             </a:extLst>
           </p:cNvPr>
@@ -3789,6 +3790,260 @@
       </p:grpSpPr>
       <p:sp>
         <p:nvSpPr>
+          <p:cNvPr id="6" name="제목 5"/>
+          <p:cNvSpPr>
+            <a:spLocks noGrp="1"/>
+          </p:cNvSpPr>
+          <p:nvPr>
+            <p:ph type="title"/>
+          </p:nvPr>
+        </p:nvSpPr>
+        <p:spPr>
+          <a:xfrm>
+            <a:off x="1" y="941393"/>
+            <a:ext cx="2049516" cy="759247"/>
+          </a:xfrm>
+        </p:spPr>
+        <p:txBody>
+          <a:bodyPr/>
+          <a:lstStyle/>
+          <a:p>
+            <a:r>
+              <a:rPr lang="ko-KR" altLang="en-US" dirty="0"/>
+              <a:t>최대공약수 알고리즘</a:t>
+            </a:r>
+          </a:p>
+        </p:txBody>
+      </p:sp>
+      <p:sp>
+        <p:nvSpPr>
+          <p:cNvPr id="2" name="TextBox 1"/>
+          <p:cNvSpPr txBox="1"/>
+          <p:nvPr/>
+        </p:nvSpPr>
+        <p:spPr>
+          <a:xfrm>
+            <a:off x="2353511" y="1865208"/>
+            <a:ext cx="9658413" cy="3539430"/>
+          </a:xfrm>
+          <a:prstGeom prst="rect">
+            <a:avLst/>
+          </a:prstGeom>
+          <a:noFill/>
+        </p:spPr>
+        <p:txBody>
+          <a:bodyPr wrap="none" rtlCol="0">
+            <a:spAutoFit/>
+          </a:bodyPr>
+          <a:lstStyle/>
+          <a:p>
+            <a:pPr marL="514350" indent="-514350">
+              <a:buAutoNum type="arabicPeriod"/>
+            </a:pPr>
+            <a:r>
+              <a:rPr lang="ko-KR" altLang="en-US" sz="3200" dirty="0" smtClean="0"/>
+              <a:t>두 </a:t>
+            </a:r>
+            <a:r>
+              <a:rPr lang="ko-KR" altLang="en-US" sz="3200" dirty="0"/>
+              <a:t>수를 </a:t>
+            </a:r>
+            <a:r>
+              <a:rPr lang="ko-KR" altLang="en-US" sz="3200" dirty="0" err="1"/>
+              <a:t>입력받는다</a:t>
+            </a:r>
+            <a:r>
+              <a:rPr lang="en-US" altLang="ko-KR" sz="3200" dirty="0"/>
+              <a:t>. </a:t>
+            </a:r>
+            <a:r>
+              <a:rPr lang="ko-KR" altLang="en-US" sz="3200" dirty="0"/>
+              <a:t>그 두 수를 </a:t>
+            </a:r>
+            <a:r>
+              <a:rPr lang="en-US" altLang="ko-KR" sz="3200" dirty="0"/>
+              <a:t>a, b </a:t>
+            </a:r>
+            <a:r>
+              <a:rPr lang="ko-KR" altLang="en-US" sz="3200" dirty="0"/>
+              <a:t>에 </a:t>
+            </a:r>
+            <a:r>
+              <a:rPr lang="ko-KR" altLang="en-US" sz="3200" dirty="0" smtClean="0"/>
+              <a:t>저장한다</a:t>
+            </a:r>
+            <a:endParaRPr lang="en-US" altLang="ko-KR" sz="3200" dirty="0"/>
+          </a:p>
+          <a:p>
+            <a:pPr marL="514350" indent="-514350">
+              <a:buAutoNum type="arabicPeriod"/>
+            </a:pPr>
+            <a:endParaRPr lang="ko-KR" altLang="en-US" sz="3200" dirty="0"/>
+          </a:p>
+          <a:p>
+            <a:r>
+              <a:rPr lang="en-US" altLang="ko-KR" sz="3200" dirty="0"/>
+              <a:t>2.</a:t>
+            </a:r>
+            <a:r>
+              <a:rPr lang="ko-KR" altLang="en-US" sz="3200" dirty="0"/>
+              <a:t> 두 수중 </a:t>
+            </a:r>
+            <a:r>
+              <a:rPr lang="ko-KR" altLang="en-US" sz="3200" dirty="0" err="1"/>
+              <a:t>작은것을</a:t>
+            </a:r>
+            <a:r>
+              <a:rPr lang="ko-KR" altLang="en-US" sz="3200" dirty="0"/>
+              <a:t> 고른다</a:t>
+            </a:r>
+            <a:r>
+              <a:rPr lang="en-US" altLang="ko-KR" sz="3200" dirty="0"/>
+              <a:t>. </a:t>
+            </a:r>
+            <a:r>
+              <a:rPr lang="ko-KR" altLang="en-US" sz="3200" dirty="0"/>
+              <a:t>그 수를 </a:t>
+            </a:r>
+            <a:r>
+              <a:rPr lang="en-US" altLang="ko-KR" sz="3200" dirty="0"/>
+              <a:t>c</a:t>
+            </a:r>
+            <a:r>
+              <a:rPr lang="ko-KR" altLang="en-US" sz="3200" dirty="0"/>
+              <a:t>에 </a:t>
+            </a:r>
+            <a:r>
+              <a:rPr lang="ko-KR" altLang="en-US" sz="3200" dirty="0" smtClean="0"/>
+              <a:t>저장한다</a:t>
+            </a:r>
+            <a:endParaRPr lang="en-US" altLang="ko-KR" sz="3200" dirty="0" smtClean="0"/>
+          </a:p>
+          <a:p>
+            <a:endParaRPr lang="ko-KR" altLang="en-US" sz="3200" dirty="0"/>
+          </a:p>
+          <a:p>
+            <a:r>
+              <a:rPr lang="en-US" altLang="ko-KR" sz="3200" dirty="0"/>
+              <a:t>3.</a:t>
+            </a:r>
+            <a:r>
+              <a:rPr lang="ko-KR" altLang="en-US" sz="3200" dirty="0"/>
+              <a:t> </a:t>
+            </a:r>
+            <a:r>
+              <a:rPr lang="en-US" altLang="ko-KR" sz="3200" dirty="0"/>
+              <a:t>c</a:t>
+            </a:r>
+            <a:r>
+              <a:rPr lang="ko-KR" altLang="en-US" sz="3200" dirty="0"/>
+              <a:t>를 </a:t>
+            </a:r>
+            <a:r>
+              <a:rPr lang="en-US" altLang="ko-KR" sz="3200" dirty="0"/>
+              <a:t>1</a:t>
+            </a:r>
+            <a:r>
+              <a:rPr lang="ko-KR" altLang="en-US" sz="3200" dirty="0"/>
+              <a:t>씩 감소시키면서 </a:t>
+            </a:r>
+            <a:r>
+              <a:rPr lang="en-US" altLang="ko-KR" sz="3200" dirty="0"/>
+              <a:t>a, b</a:t>
+            </a:r>
+            <a:r>
+              <a:rPr lang="ko-KR" altLang="en-US" sz="3200" dirty="0"/>
+              <a:t>와 </a:t>
+            </a:r>
+            <a:r>
+              <a:rPr lang="ko-KR" altLang="en-US" sz="3200" dirty="0" smtClean="0"/>
+              <a:t>동시에 나누어 </a:t>
+            </a:r>
+            <a:endParaRPr lang="en-US" altLang="ko-KR" sz="3200" dirty="0" smtClean="0"/>
+          </a:p>
+          <a:p>
+            <a:r>
+              <a:rPr lang="en-US" altLang="ko-KR" sz="3200" dirty="0"/>
+              <a:t> </a:t>
+            </a:r>
+            <a:r>
+              <a:rPr lang="en-US" altLang="ko-KR" sz="3200" dirty="0" smtClean="0"/>
+              <a:t>  </a:t>
+            </a:r>
+            <a:r>
+              <a:rPr lang="ko-KR" altLang="en-US" sz="3200" dirty="0" smtClean="0"/>
+              <a:t>떨어질 </a:t>
+            </a:r>
+            <a:r>
+              <a:rPr lang="ko-KR" altLang="en-US" sz="3200" dirty="0"/>
+              <a:t>때를 찾는다</a:t>
+            </a:r>
+            <a:r>
+              <a:rPr lang="en-US" altLang="ko-KR" sz="3200" dirty="0"/>
+              <a:t>. </a:t>
+            </a:r>
+            <a:r>
+              <a:rPr lang="ko-KR" altLang="en-US" sz="3200" dirty="0" smtClean="0"/>
+              <a:t>맨 </a:t>
+            </a:r>
+            <a:r>
+              <a:rPr lang="ko-KR" altLang="en-US" sz="3200" dirty="0"/>
+              <a:t>처음 나누어 떨어질 때의 </a:t>
+            </a:r>
+            <a:endParaRPr lang="en-US" altLang="ko-KR" sz="3200" dirty="0" smtClean="0"/>
+          </a:p>
+          <a:p>
+            <a:r>
+              <a:rPr lang="en-US" altLang="ko-KR" sz="3200" dirty="0"/>
+              <a:t> </a:t>
+            </a:r>
+            <a:r>
+              <a:rPr lang="en-US" altLang="ko-KR" sz="3200" dirty="0" smtClean="0"/>
+              <a:t>  c</a:t>
+            </a:r>
+            <a:r>
+              <a:rPr lang="ko-KR" altLang="en-US" sz="3200" dirty="0"/>
+              <a:t>가 최대 공약수 이다</a:t>
+            </a:r>
+            <a:r>
+              <a:rPr lang="en-US" altLang="ko-KR" sz="3200" dirty="0"/>
+              <a:t>.</a:t>
+            </a:r>
+          </a:p>
+        </p:txBody>
+      </p:sp>
+    </p:spTree>
+    <p:extLst>
+      <p:ext uri="{BB962C8B-B14F-4D97-AF65-F5344CB8AC3E}">
+        <p14:creationId xmlns:p14="http://schemas.microsoft.com/office/powerpoint/2010/main" val="1178512972"/>
+      </p:ext>
+    </p:extLst>
+  </p:cSld>
+  <p:clrMapOvr>
+    <a:masterClrMapping/>
+  </p:clrMapOvr>
+</p:sld>
+</file>
+
+<file path=ppt/slides/slide11.xml><?xml version="1.0" encoding="utf-8"?>
+<p:sld xmlns:a="http://schemas.openxmlformats.org/drawingml/2006/main" xmlns:r="http://schemas.openxmlformats.org/officeDocument/2006/relationships" xmlns:p="http://schemas.openxmlformats.org/presentationml/2006/main">
+  <p:cSld>
+    <p:spTree>
+      <p:nvGrpSpPr>
+        <p:cNvPr id="1" name=""/>
+        <p:cNvGrpSpPr/>
+        <p:nvPr/>
+      </p:nvGrpSpPr>
+      <p:grpSpPr>
+        <a:xfrm>
+          <a:off x="0" y="0"/>
+          <a:ext cx="0" cy="0"/>
+          <a:chOff x="0" y="0"/>
+          <a:chExt cx="0" cy="0"/>
+        </a:xfrm>
+      </p:grpSpPr>
+      <p:sp>
+        <p:nvSpPr>
           <p:cNvPr id="3" name="제목 2"/>
           <p:cNvSpPr>
             <a:spLocks noGrp="1"/>
@@ -3857,71 +4112,6 @@
 </p:sld>
 </file>
 
-<file path=ppt/slides/slide11.xml><?xml version="1.0" encoding="utf-8"?>
-<p:sld xmlns:a="http://schemas.openxmlformats.org/drawingml/2006/main" xmlns:r="http://schemas.openxmlformats.org/officeDocument/2006/relationships" xmlns:p="http://schemas.openxmlformats.org/presentationml/2006/main">
-  <p:cSld>
-    <p:spTree>
-      <p:nvGrpSpPr>
-        <p:cNvPr id="1" name=""/>
-        <p:cNvGrpSpPr/>
-        <p:nvPr/>
-      </p:nvGrpSpPr>
-      <p:grpSpPr>
-        <a:xfrm>
-          <a:off x="0" y="0"/>
-          <a:ext cx="0" cy="0"/>
-          <a:chOff x="0" y="0"/>
-          <a:chExt cx="0" cy="0"/>
-        </a:xfrm>
-      </p:grpSpPr>
-      <p:sp>
-        <p:nvSpPr>
-          <p:cNvPr id="2" name="제목 1"/>
-          <p:cNvSpPr>
-            <a:spLocks noGrp="1"/>
-          </p:cNvSpPr>
-          <p:nvPr>
-            <p:ph type="title"/>
-          </p:nvPr>
-        </p:nvSpPr>
-        <p:spPr/>
-        <p:txBody>
-          <a:bodyPr/>
-          <a:lstStyle/>
-          <a:p>
-            <a:r>
-              <a:rPr lang="en-US" altLang="ko-KR" dirty="0" smtClean="0"/>
-              <a:t>C</a:t>
-            </a:r>
-            <a:r>
-              <a:rPr lang="ko-KR" altLang="en-US" dirty="0" smtClean="0"/>
-              <a:t>언어에</a:t>
-            </a:r>
-            <a:r>
-              <a:rPr lang="en-US" altLang="ko-KR" dirty="0"/>
-              <a:t> </a:t>
-            </a:r>
-            <a:r>
-              <a:rPr lang="ko-KR" altLang="en-US" dirty="0" smtClean="0"/>
-              <a:t>대해</a:t>
-            </a:r>
-            <a:endParaRPr lang="ko-KR" altLang="en-US" dirty="0"/>
-          </a:p>
-        </p:txBody>
-      </p:sp>
-    </p:spTree>
-    <p:extLst>
-      <p:ext uri="{BB962C8B-B14F-4D97-AF65-F5344CB8AC3E}">
-        <p14:creationId xmlns:p14="http://schemas.microsoft.com/office/powerpoint/2010/main" val="3003747751"/>
-      </p:ext>
-    </p:extLst>
-  </p:cSld>
-  <p:clrMapOvr>
-    <a:masterClrMapping/>
-  </p:clrMapOvr>
-</p:sld>
-</file>
-
 <file path=ppt/slides/slide12.xml><?xml version="1.0" encoding="utf-8"?>
 <p:sld xmlns:a="http://schemas.openxmlformats.org/drawingml/2006/main" xmlns:r="http://schemas.openxmlformats.org/officeDocument/2006/relationships" xmlns:p="http://schemas.openxmlformats.org/presentationml/2006/main">
   <p:cSld>
@@ -3941,6 +4131,71 @@
       </p:grpSpPr>
       <p:sp>
         <p:nvSpPr>
+          <p:cNvPr id="2" name="제목 1"/>
+          <p:cNvSpPr>
+            <a:spLocks noGrp="1"/>
+          </p:cNvSpPr>
+          <p:nvPr>
+            <p:ph type="title"/>
+          </p:nvPr>
+        </p:nvSpPr>
+        <p:spPr/>
+        <p:txBody>
+          <a:bodyPr/>
+          <a:lstStyle/>
+          <a:p>
+            <a:r>
+              <a:rPr lang="en-US" altLang="ko-KR" dirty="0" smtClean="0"/>
+              <a:t>C</a:t>
+            </a:r>
+            <a:r>
+              <a:rPr lang="ko-KR" altLang="en-US" dirty="0" smtClean="0"/>
+              <a:t>언어에</a:t>
+            </a:r>
+            <a:r>
+              <a:rPr lang="en-US" altLang="ko-KR" dirty="0"/>
+              <a:t> </a:t>
+            </a:r>
+            <a:r>
+              <a:rPr lang="ko-KR" altLang="en-US" dirty="0" smtClean="0"/>
+              <a:t>대해</a:t>
+            </a:r>
+            <a:endParaRPr lang="ko-KR" altLang="en-US" dirty="0"/>
+          </a:p>
+        </p:txBody>
+      </p:sp>
+    </p:spTree>
+    <p:extLst>
+      <p:ext uri="{BB962C8B-B14F-4D97-AF65-F5344CB8AC3E}">
+        <p14:creationId xmlns:p14="http://schemas.microsoft.com/office/powerpoint/2010/main" val="3003747751"/>
+      </p:ext>
+    </p:extLst>
+  </p:cSld>
+  <p:clrMapOvr>
+    <a:masterClrMapping/>
+  </p:clrMapOvr>
+</p:sld>
+</file>
+
+<file path=ppt/slides/slide13.xml><?xml version="1.0" encoding="utf-8"?>
+<p:sld xmlns:a="http://schemas.openxmlformats.org/drawingml/2006/main" xmlns:r="http://schemas.openxmlformats.org/officeDocument/2006/relationships" xmlns:p="http://schemas.openxmlformats.org/presentationml/2006/main">
+  <p:cSld>
+    <p:spTree>
+      <p:nvGrpSpPr>
+        <p:cNvPr id="1" name=""/>
+        <p:cNvGrpSpPr/>
+        <p:nvPr/>
+      </p:nvGrpSpPr>
+      <p:grpSpPr>
+        <a:xfrm>
+          <a:off x="0" y="0"/>
+          <a:ext cx="0" cy="0"/>
+          <a:chOff x="0" y="0"/>
+          <a:chExt cx="0" cy="0"/>
+        </a:xfrm>
+      </p:grpSpPr>
+      <p:sp>
+        <p:nvSpPr>
           <p:cNvPr id="3" name="제목 2"/>
           <p:cNvSpPr>
             <a:spLocks noGrp="1"/>
@@ -4019,7 +4274,7 @@
 </p:sld>
 </file>
 
-<file path=ppt/slides/slide13.xml><?xml version="1.0" encoding="utf-8"?>
+<file path=ppt/slides/slide14.xml><?xml version="1.0" encoding="utf-8"?>
 <p:sld xmlns:a="http://schemas.openxmlformats.org/drawingml/2006/main" xmlns:r="http://schemas.openxmlformats.org/officeDocument/2006/relationships" xmlns:p="http://schemas.openxmlformats.org/presentationml/2006/main">
   <p:cSld>
     <p:spTree>
@@ -4095,10 +4350,129 @@
       </p:grpSpPr>
       <p:sp>
         <p:nvSpPr>
+          <p:cNvPr id="3" name="TextBox 2"/>
+          <p:cNvSpPr txBox="1"/>
+          <p:nvPr/>
+        </p:nvSpPr>
+        <p:spPr>
+          <a:xfrm>
+            <a:off x="766359" y="2465613"/>
+            <a:ext cx="10438627" cy="2123658"/>
+          </a:xfrm>
+          <a:prstGeom prst="rect">
+            <a:avLst/>
+          </a:prstGeom>
+          <a:noFill/>
+        </p:spPr>
+        <p:txBody>
+          <a:bodyPr wrap="none" rtlCol="0">
+            <a:spAutoFit/>
+          </a:bodyPr>
+          <a:lstStyle/>
+          <a:p>
+            <a:pPr algn="ctr"/>
+            <a:r>
+              <a:rPr lang="en-US" altLang="ko-KR" sz="6600" dirty="0" smtClean="0">
+                <a:latin typeface="나눔스퀘어 Bold" panose="020B0600000101010101" pitchFamily="50" charset="-127"/>
+                <a:ea typeface="나눔스퀘어 Bold" panose="020B0600000101010101" pitchFamily="50" charset="-127"/>
+              </a:rPr>
+              <a:t>C </a:t>
+            </a:r>
+            <a:r>
+              <a:rPr lang="ko-KR" altLang="en-US" sz="6600" dirty="0" smtClean="0">
+                <a:latin typeface="나눔스퀘어 Bold" panose="020B0600000101010101" pitchFamily="50" charset="-127"/>
+                <a:ea typeface="나눔스퀘어 Bold" panose="020B0600000101010101" pitchFamily="50" charset="-127"/>
+              </a:rPr>
+              <a:t>세미나 </a:t>
+            </a:r>
+            <a:r>
+              <a:rPr lang="en-US" altLang="ko-KR" sz="6600" dirty="0" smtClean="0">
+                <a:latin typeface="나눔스퀘어 Bold" panose="020B0600000101010101" pitchFamily="50" charset="-127"/>
+                <a:ea typeface="나눔스퀘어 Bold" panose="020B0600000101010101" pitchFamily="50" charset="-127"/>
+              </a:rPr>
+              <a:t>-&gt; </a:t>
+            </a:r>
+            <a:r>
+              <a:rPr lang="en-US" altLang="ko-KR" sz="6600" dirty="0" err="1" smtClean="0">
+                <a:latin typeface="나눔스퀘어 Bold" panose="020B0600000101010101" pitchFamily="50" charset="-127"/>
+                <a:ea typeface="나눔스퀘어 Bold" panose="020B0600000101010101" pitchFamily="50" charset="-127"/>
+              </a:rPr>
+              <a:t>Cevelop</a:t>
+            </a:r>
+            <a:r>
+              <a:rPr lang="en-US" altLang="ko-KR" sz="6600" dirty="0" smtClean="0">
+                <a:latin typeface="나눔스퀘어 Bold" panose="020B0600000101010101" pitchFamily="50" charset="-127"/>
+                <a:ea typeface="나눔스퀘어 Bold" panose="020B0600000101010101" pitchFamily="50" charset="-127"/>
+              </a:rPr>
+              <a:t> </a:t>
+            </a:r>
+          </a:p>
+          <a:p>
+            <a:pPr algn="ctr"/>
+            <a:r>
+              <a:rPr lang="en-US" altLang="ko-KR" sz="6600" dirty="0" smtClean="0">
+                <a:latin typeface="나눔스퀘어 Bold" panose="020B0600000101010101" pitchFamily="50" charset="-127"/>
+                <a:ea typeface="나눔스퀘어 Bold" panose="020B0600000101010101" pitchFamily="50" charset="-127"/>
+              </a:rPr>
+              <a:t>-&gt; </a:t>
+            </a:r>
+            <a:r>
+              <a:rPr lang="en-US" altLang="ko-KR" sz="6600" dirty="0">
+                <a:latin typeface="나눔스퀘어 Bold" panose="020B0600000101010101" pitchFamily="50" charset="-127"/>
+                <a:ea typeface="나눔스퀘어 Bold" panose="020B0600000101010101" pitchFamily="50" charset="-127"/>
+              </a:rPr>
+              <a:t>Good Coding </a:t>
+            </a:r>
+            <a:r>
+              <a:rPr lang="en-US" altLang="ko-KR" sz="6600" dirty="0" smtClean="0">
+                <a:latin typeface="나눔스퀘어 Bold" panose="020B0600000101010101" pitchFamily="50" charset="-127"/>
+                <a:ea typeface="나눔스퀘어 Bold" panose="020B0600000101010101" pitchFamily="50" charset="-127"/>
+              </a:rPr>
+              <a:t>Challenge</a:t>
+            </a:r>
+            <a:endParaRPr lang="ko-KR" altLang="en-US" sz="6600" dirty="0">
+              <a:latin typeface="나눔스퀘어 Bold" panose="020B0600000101010101" pitchFamily="50" charset="-127"/>
+              <a:ea typeface="나눔스퀘어 Bold" panose="020B0600000101010101" pitchFamily="50" charset="-127"/>
+            </a:endParaRPr>
+          </a:p>
+        </p:txBody>
+      </p:sp>
+    </p:spTree>
+    <p:extLst>
+      <p:ext uri="{BB962C8B-B14F-4D97-AF65-F5344CB8AC3E}">
+        <p14:creationId xmlns:p14="http://schemas.microsoft.com/office/powerpoint/2010/main" val="2958600199"/>
+      </p:ext>
+    </p:extLst>
+  </p:cSld>
+  <p:clrMapOvr>
+    <a:masterClrMapping/>
+  </p:clrMapOvr>
+</p:sld>
+</file>
+
+<file path=ppt/slides/slide3.xml><?xml version="1.0" encoding="utf-8"?>
+<p:sld xmlns:a="http://schemas.openxmlformats.org/drawingml/2006/main" xmlns:r="http://schemas.openxmlformats.org/officeDocument/2006/relationships" xmlns:p="http://schemas.openxmlformats.org/presentationml/2006/main">
+  <p:cSld>
+    <p:spTree>
+      <p:nvGrpSpPr>
+        <p:cNvPr id="1" name=""/>
+        <p:cNvGrpSpPr/>
+        <p:nvPr/>
+      </p:nvGrpSpPr>
+      <p:grpSpPr>
+        <a:xfrm>
+          <a:off x="0" y="0"/>
+          <a:ext cx="0" cy="0"/>
+          <a:chOff x="0" y="0"/>
+          <a:chExt cx="0" cy="0"/>
+        </a:xfrm>
+      </p:grpSpPr>
+      <p:sp>
+        <p:nvSpPr>
           <p:cNvPr id="10" name="자유형: 도형 9">
             <a:extLst>
               <a:ext uri="{FF2B5EF4-FFF2-40B4-BE49-F238E27FC236}">
-                <a16:creationId xmlns:a16="http://schemas.microsoft.com/office/drawing/2014/main" xmlns="" id="{9BB23A46-616A-42D3-8CD9-3DE3FE77D7F7}"/>
+                <a16:creationId xmlns="" xmlns:a16="http://schemas.microsoft.com/office/drawing/2014/main" id="{9BB23A46-616A-42D3-8CD9-3DE3FE77D7F7}"/>
               </a:ext>
             </a:extLst>
           </p:cNvPr>
@@ -4270,7 +4644,7 @@
           <p:cNvPr id="11" name="자유형: 도형 10">
             <a:extLst>
               <a:ext uri="{FF2B5EF4-FFF2-40B4-BE49-F238E27FC236}">
-                <a16:creationId xmlns:a16="http://schemas.microsoft.com/office/drawing/2014/main" xmlns="" id="{D45E578D-8D0B-4408-83BB-E2DF99AE89D6}"/>
+                <a16:creationId xmlns="" xmlns:a16="http://schemas.microsoft.com/office/drawing/2014/main" id="{D45E578D-8D0B-4408-83BB-E2DF99AE89D6}"/>
               </a:ext>
             </a:extLst>
           </p:cNvPr>
@@ -4505,7 +4879,7 @@
           <p:cNvPr id="12" name="자유형: 도형 11">
             <a:extLst>
               <a:ext uri="{FF2B5EF4-FFF2-40B4-BE49-F238E27FC236}">
-                <a16:creationId xmlns:a16="http://schemas.microsoft.com/office/drawing/2014/main" xmlns="" id="{AE1B907F-3645-4798-96B9-40DB29BD658F}"/>
+                <a16:creationId xmlns="" xmlns:a16="http://schemas.microsoft.com/office/drawing/2014/main" id="{AE1B907F-3645-4798-96B9-40DB29BD658F}"/>
               </a:ext>
             </a:extLst>
           </p:cNvPr>
@@ -4677,7 +5051,7 @@
           <p:cNvPr id="13" name="자유형: 도형 12">
             <a:extLst>
               <a:ext uri="{FF2B5EF4-FFF2-40B4-BE49-F238E27FC236}">
-                <a16:creationId xmlns:a16="http://schemas.microsoft.com/office/drawing/2014/main" xmlns="" id="{D3071CD3-3C26-46F3-846E-A0BC70548BBB}"/>
+                <a16:creationId xmlns="" xmlns:a16="http://schemas.microsoft.com/office/drawing/2014/main" id="{D3071CD3-3C26-46F3-846E-A0BC70548BBB}"/>
               </a:ext>
             </a:extLst>
           </p:cNvPr>
@@ -4855,7 +5229,7 @@
           <p:cNvPr id="14" name="자유형: 도형 13">
             <a:extLst>
               <a:ext uri="{FF2B5EF4-FFF2-40B4-BE49-F238E27FC236}">
-                <a16:creationId xmlns:a16="http://schemas.microsoft.com/office/drawing/2014/main" xmlns="" id="{F28FB4EA-9BF9-4BC8-B0F9-8E6B6B8DC56C}"/>
+                <a16:creationId xmlns="" xmlns:a16="http://schemas.microsoft.com/office/drawing/2014/main" id="{F28FB4EA-9BF9-4BC8-B0F9-8E6B6B8DC56C}"/>
               </a:ext>
             </a:extLst>
           </p:cNvPr>
@@ -5017,7 +5391,7 @@
           <p:cNvPr id="15" name="자유형: 도형 14">
             <a:extLst>
               <a:ext uri="{FF2B5EF4-FFF2-40B4-BE49-F238E27FC236}">
-                <a16:creationId xmlns:a16="http://schemas.microsoft.com/office/drawing/2014/main" xmlns="" id="{F171064F-062D-42A6-8899-A90BBD08D7CE}"/>
+                <a16:creationId xmlns="" xmlns:a16="http://schemas.microsoft.com/office/drawing/2014/main" id="{F171064F-062D-42A6-8899-A90BBD08D7CE}"/>
               </a:ext>
             </a:extLst>
           </p:cNvPr>
@@ -5245,67 +5619,6 @@
 </p:sld>
 </file>
 
-<file path=ppt/slides/slide3.xml><?xml version="1.0" encoding="utf-8"?>
-<p:sld xmlns:a="http://schemas.openxmlformats.org/drawingml/2006/main" xmlns:r="http://schemas.openxmlformats.org/officeDocument/2006/relationships" xmlns:p="http://schemas.openxmlformats.org/presentationml/2006/main">
-  <p:cSld>
-    <p:spTree>
-      <p:nvGrpSpPr>
-        <p:cNvPr id="1" name=""/>
-        <p:cNvGrpSpPr/>
-        <p:nvPr/>
-      </p:nvGrpSpPr>
-      <p:grpSpPr>
-        <a:xfrm>
-          <a:off x="0" y="0"/>
-          <a:ext cx="0" cy="0"/>
-          <a:chOff x="0" y="0"/>
-          <a:chExt cx="0" cy="0"/>
-        </a:xfrm>
-      </p:grpSpPr>
-      <p:sp>
-        <p:nvSpPr>
-          <p:cNvPr id="2" name="제목 1"/>
-          <p:cNvSpPr>
-            <a:spLocks noGrp="1"/>
-          </p:cNvSpPr>
-          <p:nvPr>
-            <p:ph type="title"/>
-          </p:nvPr>
-        </p:nvSpPr>
-        <p:spPr/>
-        <p:txBody>
-          <a:bodyPr/>
-          <a:lstStyle/>
-          <a:p>
-            <a:r>
-              <a:rPr lang="ko-KR" altLang="en-US" dirty="0" err="1" smtClean="0"/>
-              <a:t>스터디</a:t>
-            </a:r>
-            <a:r>
-              <a:rPr lang="ko-KR" altLang="en-US" dirty="0" smtClean="0"/>
-              <a:t> </a:t>
-            </a:r>
-            <a:r>
-              <a:rPr lang="en-US" altLang="ko-KR" dirty="0" smtClean="0"/>
-              <a:t>OT</a:t>
-            </a:r>
-            <a:endParaRPr lang="ko-KR" altLang="en-US" dirty="0"/>
-          </a:p>
-        </p:txBody>
-      </p:sp>
-    </p:spTree>
-    <p:extLst>
-      <p:ext uri="{BB962C8B-B14F-4D97-AF65-F5344CB8AC3E}">
-        <p14:creationId xmlns:p14="http://schemas.microsoft.com/office/powerpoint/2010/main" val="3073431960"/>
-      </p:ext>
-    </p:extLst>
-  </p:cSld>
-  <p:clrMapOvr>
-    <a:masterClrMapping/>
-  </p:clrMapOvr>
-</p:sld>
-</file>
-
 <file path=ppt/slides/slide4.xml><?xml version="1.0" encoding="utf-8"?>
 <p:sld xmlns:a="http://schemas.openxmlformats.org/drawingml/2006/main" xmlns:r="http://schemas.openxmlformats.org/officeDocument/2006/relationships" xmlns:p="http://schemas.openxmlformats.org/presentationml/2006/main">
   <p:cSld>
@@ -5339,12 +5652,16 @@
           <a:lstStyle/>
           <a:p>
             <a:r>
+              <a:rPr lang="ko-KR" altLang="en-US" dirty="0" err="1" smtClean="0"/>
+              <a:t>스터디</a:t>
+            </a:r>
+            <a:r>
               <a:rPr lang="ko-KR" altLang="en-US" dirty="0" smtClean="0"/>
-              <a:t>알고리즘이란</a:t>
+              <a:t> </a:t>
             </a:r>
             <a:r>
               <a:rPr lang="en-US" altLang="ko-KR" dirty="0" smtClean="0"/>
-              <a:t>?</a:t>
+              <a:t>OT</a:t>
             </a:r>
             <a:endParaRPr lang="ko-KR" altLang="en-US" dirty="0"/>
           </a:p>
@@ -5353,7 +5670,7 @@
     </p:spTree>
     <p:extLst>
       <p:ext uri="{BB962C8B-B14F-4D97-AF65-F5344CB8AC3E}">
-        <p14:creationId xmlns:p14="http://schemas.microsoft.com/office/powerpoint/2010/main" val="2361384560"/>
+        <p14:creationId xmlns:p14="http://schemas.microsoft.com/office/powerpoint/2010/main" val="3073431960"/>
       </p:ext>
     </p:extLst>
   </p:cSld>
@@ -5382,50 +5699,7 @@
       </p:grpSpPr>
       <p:sp>
         <p:nvSpPr>
-          <p:cNvPr id="4" name="TextBox 3">
-            <a:extLst>
-              <a:ext uri="{FF2B5EF4-FFF2-40B4-BE49-F238E27FC236}">
-                <a16:creationId xmlns:a16="http://schemas.microsoft.com/office/drawing/2014/main" xmlns="" id="{B9BFC6DE-0ECA-4052-BD85-B0E7874A8FC2}"/>
-              </a:ext>
-            </a:extLst>
-          </p:cNvPr>
-          <p:cNvSpPr txBox="1"/>
-          <p:nvPr/>
-        </p:nvSpPr>
-        <p:spPr>
-          <a:xfrm>
-            <a:off x="2750383" y="2497976"/>
-            <a:ext cx="8940166" cy="1862048"/>
-          </a:xfrm>
-          <a:prstGeom prst="rect">
-            <a:avLst/>
-          </a:prstGeom>
-          <a:noFill/>
-        </p:spPr>
-        <p:txBody>
-          <a:bodyPr wrap="square" rtlCol="0">
-            <a:spAutoFit/>
-          </a:bodyPr>
-          <a:lstStyle/>
-          <a:p>
-            <a:pPr algn="ctr"/>
-            <a:r>
-              <a:rPr lang="en-US" altLang="ko-KR" sz="11500" dirty="0">
-                <a:latin typeface="나눔스퀘어" panose="020B0600000101010101" pitchFamily="50" charset="-127"/>
-                <a:ea typeface="나눔스퀘어" panose="020B0600000101010101" pitchFamily="50" charset="-127"/>
-              </a:rPr>
-              <a:t>9    12</a:t>
-            </a:r>
-            <a:endParaRPr lang="ko-KR" altLang="en-US" sz="11500" dirty="0">
-              <a:latin typeface="나눔스퀘어" panose="020B0600000101010101" pitchFamily="50" charset="-127"/>
-              <a:ea typeface="나눔스퀘어" panose="020B0600000101010101" pitchFamily="50" charset="-127"/>
-            </a:endParaRPr>
-          </a:p>
-        </p:txBody>
-      </p:sp>
-      <p:sp>
-        <p:nvSpPr>
-          <p:cNvPr id="3" name="제목 2"/>
+          <p:cNvPr id="2" name="제목 1"/>
           <p:cNvSpPr>
             <a:spLocks noGrp="1"/>
           </p:cNvSpPr>
@@ -5433,19 +5707,18 @@
             <p:ph type="title"/>
           </p:nvPr>
         </p:nvSpPr>
-        <p:spPr>
-          <a:xfrm>
-            <a:off x="1" y="941393"/>
-            <a:ext cx="2049516" cy="759247"/>
-          </a:xfrm>
-        </p:spPr>
+        <p:spPr/>
         <p:txBody>
           <a:bodyPr/>
           <a:lstStyle/>
           <a:p>
             <a:r>
               <a:rPr lang="ko-KR" altLang="en-US" dirty="0" smtClean="0"/>
-              <a:t>최대공약수 알고리즘</a:t>
+              <a:t>알고리즘이란</a:t>
+            </a:r>
+            <a:r>
+              <a:rPr lang="en-US" altLang="ko-KR" dirty="0" smtClean="0"/>
+              <a:t>?</a:t>
             </a:r>
             <a:endParaRPr lang="ko-KR" altLang="en-US" dirty="0"/>
           </a:p>
@@ -5454,7 +5727,7 @@
     </p:spTree>
     <p:extLst>
       <p:ext uri="{BB962C8B-B14F-4D97-AF65-F5344CB8AC3E}">
-        <p14:creationId xmlns:p14="http://schemas.microsoft.com/office/powerpoint/2010/main" val="4187551251"/>
+        <p14:creationId xmlns:p14="http://schemas.microsoft.com/office/powerpoint/2010/main" val="2361384560"/>
       </p:ext>
     </p:extLst>
   </p:cSld>
@@ -5486,7 +5759,7 @@
           <p:cNvPr id="4" name="TextBox 3">
             <a:extLst>
               <a:ext uri="{FF2B5EF4-FFF2-40B4-BE49-F238E27FC236}">
-                <a16:creationId xmlns:a16="http://schemas.microsoft.com/office/drawing/2014/main" xmlns="" id="{B9BFC6DE-0ECA-4052-BD85-B0E7874A8FC2}"/>
+                <a16:creationId xmlns="" xmlns:a16="http://schemas.microsoft.com/office/drawing/2014/main" id="{B9BFC6DE-0ECA-4052-BD85-B0E7874A8FC2}"/>
               </a:ext>
             </a:extLst>
           </p:cNvPr>
@@ -5495,7 +5768,7 @@
         </p:nvSpPr>
         <p:spPr>
           <a:xfrm>
-            <a:off x="2441464" y="2497976"/>
+            <a:off x="2750383" y="2497976"/>
             <a:ext cx="8940166" cy="1862048"/>
           </a:xfrm>
           <a:prstGeom prst="rect">
@@ -5515,7 +5788,7 @@
                 <a:latin typeface="나눔스퀘어" panose="020B0600000101010101" pitchFamily="50" charset="-127"/>
                 <a:ea typeface="나눔스퀘어" panose="020B0600000101010101" pitchFamily="50" charset="-127"/>
               </a:rPr>
-              <a:t> 1593   2124</a:t>
+              <a:t>9    12</a:t>
             </a:r>
             <a:endParaRPr lang="ko-KR" altLang="en-US" sz="11500" dirty="0">
               <a:latin typeface="나눔스퀘어" panose="020B0600000101010101" pitchFamily="50" charset="-127"/>
@@ -5545,16 +5818,17 @@
           <a:lstStyle/>
           <a:p>
             <a:r>
-              <a:rPr lang="ko-KR" altLang="en-US" dirty="0"/>
+              <a:rPr lang="ko-KR" altLang="en-US" dirty="0" smtClean="0"/>
               <a:t>최대공약수 알고리즘</a:t>
             </a:r>
+            <a:endParaRPr lang="ko-KR" altLang="en-US" dirty="0"/>
           </a:p>
         </p:txBody>
       </p:sp>
     </p:spTree>
     <p:extLst>
       <p:ext uri="{BB962C8B-B14F-4D97-AF65-F5344CB8AC3E}">
-        <p14:creationId xmlns:p14="http://schemas.microsoft.com/office/powerpoint/2010/main" val="1585925315"/>
+        <p14:creationId xmlns:p14="http://schemas.microsoft.com/office/powerpoint/2010/main" val="4187551251"/>
       </p:ext>
     </p:extLst>
   </p:cSld>
@@ -5581,12 +5855,112 @@
           <a:chExt cx="0" cy="0"/>
         </a:xfrm>
       </p:grpSpPr>
+      <p:sp>
+        <p:nvSpPr>
+          <p:cNvPr id="4" name="TextBox 3">
+            <a:extLst>
+              <a:ext uri="{FF2B5EF4-FFF2-40B4-BE49-F238E27FC236}">
+                <a16:creationId xmlns="" xmlns:a16="http://schemas.microsoft.com/office/drawing/2014/main" id="{B9BFC6DE-0ECA-4052-BD85-B0E7874A8FC2}"/>
+              </a:ext>
+            </a:extLst>
+          </p:cNvPr>
+          <p:cNvSpPr txBox="1"/>
+          <p:nvPr/>
+        </p:nvSpPr>
+        <p:spPr>
+          <a:xfrm>
+            <a:off x="2441464" y="2497976"/>
+            <a:ext cx="8940166" cy="1862048"/>
+          </a:xfrm>
+          <a:prstGeom prst="rect">
+            <a:avLst/>
+          </a:prstGeom>
+          <a:noFill/>
+        </p:spPr>
+        <p:txBody>
+          <a:bodyPr wrap="square" rtlCol="0">
+            <a:spAutoFit/>
+          </a:bodyPr>
+          <a:lstStyle/>
+          <a:p>
+            <a:pPr algn="ctr"/>
+            <a:r>
+              <a:rPr lang="en-US" altLang="ko-KR" sz="11500" dirty="0">
+                <a:latin typeface="나눔스퀘어" panose="020B0600000101010101" pitchFamily="50" charset="-127"/>
+                <a:ea typeface="나눔스퀘어" panose="020B0600000101010101" pitchFamily="50" charset="-127"/>
+              </a:rPr>
+              <a:t> 1593   2124</a:t>
+            </a:r>
+            <a:endParaRPr lang="ko-KR" altLang="en-US" sz="11500" dirty="0">
+              <a:latin typeface="나눔스퀘어" panose="020B0600000101010101" pitchFamily="50" charset="-127"/>
+              <a:ea typeface="나눔스퀘어" panose="020B0600000101010101" pitchFamily="50" charset="-127"/>
+            </a:endParaRPr>
+          </a:p>
+        </p:txBody>
+      </p:sp>
+      <p:sp>
+        <p:nvSpPr>
+          <p:cNvPr id="3" name="제목 2"/>
+          <p:cNvSpPr>
+            <a:spLocks noGrp="1"/>
+          </p:cNvSpPr>
+          <p:nvPr>
+            <p:ph type="title"/>
+          </p:nvPr>
+        </p:nvSpPr>
+        <p:spPr>
+          <a:xfrm>
+            <a:off x="1" y="941393"/>
+            <a:ext cx="2049516" cy="759247"/>
+          </a:xfrm>
+        </p:spPr>
+        <p:txBody>
+          <a:bodyPr/>
+          <a:lstStyle/>
+          <a:p>
+            <a:r>
+              <a:rPr lang="ko-KR" altLang="en-US" dirty="0"/>
+              <a:t>최대공약수 알고리즘</a:t>
+            </a:r>
+          </a:p>
+        </p:txBody>
+      </p:sp>
+    </p:spTree>
+    <p:extLst>
+      <p:ext uri="{BB962C8B-B14F-4D97-AF65-F5344CB8AC3E}">
+        <p14:creationId xmlns:p14="http://schemas.microsoft.com/office/powerpoint/2010/main" val="1585925315"/>
+      </p:ext>
+    </p:extLst>
+  </p:cSld>
+  <p:clrMapOvr>
+    <a:masterClrMapping/>
+  </p:clrMapOvr>
+</p:sld>
+</file>
+
+<file path=ppt/slides/slide8.xml><?xml version="1.0" encoding="utf-8"?>
+<p:sld xmlns:a="http://schemas.openxmlformats.org/drawingml/2006/main" xmlns:r="http://schemas.openxmlformats.org/officeDocument/2006/relationships" xmlns:p="http://schemas.openxmlformats.org/presentationml/2006/main">
+  <p:cSld>
+    <p:spTree>
+      <p:nvGrpSpPr>
+        <p:cNvPr id="1" name=""/>
+        <p:cNvGrpSpPr/>
+        <p:nvPr/>
+      </p:nvGrpSpPr>
+      <p:grpSpPr>
+        <a:xfrm>
+          <a:off x="0" y="0"/>
+          <a:ext cx="0" cy="0"/>
+          <a:chOff x="0" y="0"/>
+          <a:chExt cx="0" cy="0"/>
+        </a:xfrm>
+      </p:grpSpPr>
       <p:grpSp>
         <p:nvGrpSpPr>
           <p:cNvPr id="2" name="그룹 1">
             <a:extLst>
               <a:ext uri="{FF2B5EF4-FFF2-40B4-BE49-F238E27FC236}">
-                <a16:creationId xmlns:a16="http://schemas.microsoft.com/office/drawing/2014/main" xmlns="" id="{02B75004-4DC3-4761-90A5-AA8FA7327966}"/>
+                <a16:creationId xmlns="" xmlns:a16="http://schemas.microsoft.com/office/drawing/2014/main" id="{02B75004-4DC3-4761-90A5-AA8FA7327966}"/>
               </a:ext>
             </a:extLst>
           </p:cNvPr>
@@ -5606,7 +5980,7 @@
             <p:cNvPr id="4" name="TextBox 3">
               <a:extLst>
                 <a:ext uri="{FF2B5EF4-FFF2-40B4-BE49-F238E27FC236}">
-                  <a16:creationId xmlns:a16="http://schemas.microsoft.com/office/drawing/2014/main" xmlns="" id="{B9BFC6DE-0ECA-4052-BD85-B0E7874A8FC2}"/>
+                  <a16:creationId xmlns="" xmlns:a16="http://schemas.microsoft.com/office/drawing/2014/main" id="{B9BFC6DE-0ECA-4052-BD85-B0E7874A8FC2}"/>
                 </a:ext>
               </a:extLst>
             </p:cNvPr>
@@ -5649,7 +6023,7 @@
             <p:cNvPr id="3" name="연결선: 꺾임 2">
               <a:extLst>
                 <a:ext uri="{FF2B5EF4-FFF2-40B4-BE49-F238E27FC236}">
-                  <a16:creationId xmlns:a16="http://schemas.microsoft.com/office/drawing/2014/main" xmlns="" id="{8460C2EB-5DA0-4673-AD4F-66F92519A895}"/>
+                  <a16:creationId xmlns="" xmlns:a16="http://schemas.microsoft.com/office/drawing/2014/main" id="{8460C2EB-5DA0-4673-AD4F-66F92519A895}"/>
                 </a:ext>
               </a:extLst>
             </p:cNvPr>
@@ -5694,7 +6068,7 @@
             <p:cNvPr id="16" name="TextBox 15">
               <a:extLst>
                 <a:ext uri="{FF2B5EF4-FFF2-40B4-BE49-F238E27FC236}">
-                  <a16:creationId xmlns:a16="http://schemas.microsoft.com/office/drawing/2014/main" xmlns="" id="{1ADC5D7C-22B6-4604-A3D8-0D173399FDA4}"/>
+                  <a16:creationId xmlns="" xmlns:a16="http://schemas.microsoft.com/office/drawing/2014/main" id="{1ADC5D7C-22B6-4604-A3D8-0D173399FDA4}"/>
                 </a:ext>
               </a:extLst>
             </p:cNvPr>
@@ -5737,7 +6111,7 @@
             <p:cNvPr id="17" name="TextBox 16">
               <a:extLst>
                 <a:ext uri="{FF2B5EF4-FFF2-40B4-BE49-F238E27FC236}">
-                  <a16:creationId xmlns:a16="http://schemas.microsoft.com/office/drawing/2014/main" xmlns="" id="{83AB37CC-7080-4BE1-A150-811A5B76A474}"/>
+                  <a16:creationId xmlns="" xmlns:a16="http://schemas.microsoft.com/office/drawing/2014/main" id="{83AB37CC-7080-4BE1-A150-811A5B76A474}"/>
                 </a:ext>
               </a:extLst>
             </p:cNvPr>
@@ -5780,7 +6154,7 @@
             <p:cNvPr id="21" name="TextBox 20">
               <a:extLst>
                 <a:ext uri="{FF2B5EF4-FFF2-40B4-BE49-F238E27FC236}">
-                  <a16:creationId xmlns:a16="http://schemas.microsoft.com/office/drawing/2014/main" xmlns="" id="{F4F49463-EB8F-4A90-88F9-A74EE4080F79}"/>
+                  <a16:creationId xmlns="" xmlns:a16="http://schemas.microsoft.com/office/drawing/2014/main" id="{F4F49463-EB8F-4A90-88F9-A74EE4080F79}"/>
                 </a:ext>
               </a:extLst>
             </p:cNvPr>
@@ -5823,7 +6197,7 @@
             <p:cNvPr id="22" name="TextBox 21">
               <a:extLst>
                 <a:ext uri="{FF2B5EF4-FFF2-40B4-BE49-F238E27FC236}">
-                  <a16:creationId xmlns:a16="http://schemas.microsoft.com/office/drawing/2014/main" xmlns="" id="{F7B621AD-E068-4002-947E-85F4387E3029}"/>
+                  <a16:creationId xmlns="" xmlns:a16="http://schemas.microsoft.com/office/drawing/2014/main" id="{F7B621AD-E068-4002-947E-85F4387E3029}"/>
                 </a:ext>
               </a:extLst>
             </p:cNvPr>
@@ -5902,107 +6276,6 @@
 </p:sld>
 </file>
 
-<file path=ppt/slides/slide8.xml><?xml version="1.0" encoding="utf-8"?>
-<p:sld xmlns:a="http://schemas.openxmlformats.org/drawingml/2006/main" xmlns:r="http://schemas.openxmlformats.org/officeDocument/2006/relationships" xmlns:p="http://schemas.openxmlformats.org/presentationml/2006/main">
-  <p:cSld>
-    <p:spTree>
-      <p:nvGrpSpPr>
-        <p:cNvPr id="1" name=""/>
-        <p:cNvGrpSpPr/>
-        <p:nvPr/>
-      </p:nvGrpSpPr>
-      <p:grpSpPr>
-        <a:xfrm>
-          <a:off x="0" y="0"/>
-          <a:ext cx="0" cy="0"/>
-          <a:chOff x="0" y="0"/>
-          <a:chExt cx="0" cy="0"/>
-        </a:xfrm>
-      </p:grpSpPr>
-      <p:sp>
-        <p:nvSpPr>
-          <p:cNvPr id="6" name="제목 5"/>
-          <p:cNvSpPr>
-            <a:spLocks noGrp="1"/>
-          </p:cNvSpPr>
-          <p:nvPr>
-            <p:ph type="title"/>
-          </p:nvPr>
-        </p:nvSpPr>
-        <p:spPr>
-          <a:xfrm>
-            <a:off x="1" y="941393"/>
-            <a:ext cx="2049516" cy="759247"/>
-          </a:xfrm>
-        </p:spPr>
-        <p:txBody>
-          <a:bodyPr/>
-          <a:lstStyle/>
-          <a:p>
-            <a:r>
-              <a:rPr lang="ko-KR" altLang="en-US" dirty="0"/>
-              <a:t>최대공약수 알고리즘</a:t>
-            </a:r>
-          </a:p>
-        </p:txBody>
-      </p:sp>
-      <p:sp>
-        <p:nvSpPr>
-          <p:cNvPr id="5" name="TextBox 4"/>
-          <p:cNvSpPr txBox="1"/>
-          <p:nvPr/>
-        </p:nvSpPr>
-        <p:spPr>
-          <a:xfrm>
-            <a:off x="2982888" y="2827283"/>
-            <a:ext cx="8191666" cy="1323439"/>
-          </a:xfrm>
-          <a:prstGeom prst="rect">
-            <a:avLst/>
-          </a:prstGeom>
-          <a:noFill/>
-        </p:spPr>
-        <p:txBody>
-          <a:bodyPr wrap="none" rtlCol="0">
-            <a:spAutoFit/>
-          </a:bodyPr>
-          <a:lstStyle/>
-          <a:p>
-            <a:pPr algn="ctr"/>
-            <a:r>
-              <a:rPr lang="ko-KR" altLang="en-US" sz="8000" dirty="0" smtClean="0">
-                <a:latin typeface="나눔스퀘어" panose="020B0600000101010101" pitchFamily="50" charset="-127"/>
-                <a:ea typeface="나눔스퀘어" panose="020B0600000101010101" pitchFamily="50" charset="-127"/>
-              </a:rPr>
-              <a:t>컴퓨터에게 시키자</a:t>
-            </a:r>
-            <a:r>
-              <a:rPr lang="en-US" altLang="ko-KR" sz="8000" dirty="0" smtClean="0">
-                <a:latin typeface="나눔스퀘어" panose="020B0600000101010101" pitchFamily="50" charset="-127"/>
-                <a:ea typeface="나눔스퀘어" panose="020B0600000101010101" pitchFamily="50" charset="-127"/>
-              </a:rPr>
-              <a:t>!</a:t>
-            </a:r>
-            <a:endParaRPr lang="ko-KR" altLang="en-US" sz="8000" dirty="0">
-              <a:latin typeface="나눔스퀘어" panose="020B0600000101010101" pitchFamily="50" charset="-127"/>
-              <a:ea typeface="나눔스퀘어" panose="020B0600000101010101" pitchFamily="50" charset="-127"/>
-            </a:endParaRPr>
-          </a:p>
-        </p:txBody>
-      </p:sp>
-    </p:spTree>
-    <p:extLst>
-      <p:ext uri="{BB962C8B-B14F-4D97-AF65-F5344CB8AC3E}">
-        <p14:creationId xmlns:p14="http://schemas.microsoft.com/office/powerpoint/2010/main" val="1580427136"/>
-      </p:ext>
-    </p:extLst>
-  </p:cSld>
-  <p:clrMapOvr>
-    <a:masterClrMapping/>
-  </p:clrMapOvr>
-</p:sld>
-</file>
-
 <file path=ppt/slides/slide9.xml><?xml version="1.0" encoding="utf-8"?>
 <p:sld xmlns:a="http://schemas.openxmlformats.org/drawingml/2006/main" xmlns:r="http://schemas.openxmlformats.org/officeDocument/2006/relationships" xmlns:p="http://schemas.openxmlformats.org/presentationml/2006/main">
   <p:cSld>
@@ -6049,14 +6322,14 @@
       </p:sp>
       <p:sp>
         <p:nvSpPr>
-          <p:cNvPr id="2" name="TextBox 1"/>
+          <p:cNvPr id="5" name="TextBox 4"/>
           <p:cNvSpPr txBox="1"/>
           <p:nvPr/>
         </p:nvSpPr>
         <p:spPr>
           <a:xfrm>
-            <a:off x="2353511" y="1865208"/>
-            <a:ext cx="9658413" cy="3539430"/>
+            <a:off x="2982888" y="2827283"/>
+            <a:ext cx="8191666" cy="1323439"/>
           </a:xfrm>
           <a:prstGeom prst="rect">
             <a:avLst/>
@@ -6069,185 +6342,32 @@
           </a:bodyPr>
           <a:lstStyle/>
           <a:p>
-            <a:pPr marL="514350" indent="-514350">
-              <a:buAutoNum type="arabicPeriod"/>
-            </a:pPr>
-            <a:r>
-              <a:rPr lang="ko-KR" altLang="en-US" sz="3200" dirty="0" smtClean="0"/>
-              <a:t>두 </a:t>
-            </a:r>
-            <a:r>
-              <a:rPr lang="ko-KR" altLang="en-US" sz="3200" dirty="0"/>
-              <a:t>수를 </a:t>
-            </a:r>
-            <a:r>
-              <a:rPr lang="ko-KR" altLang="en-US" sz="3200" dirty="0" err="1"/>
-              <a:t>입력받는다</a:t>
-            </a:r>
-            <a:r>
-              <a:rPr lang="en-US" altLang="ko-KR" sz="3200" dirty="0"/>
-              <a:t>. </a:t>
-            </a:r>
-            <a:r>
-              <a:rPr lang="ko-KR" altLang="en-US" sz="3200" dirty="0"/>
-              <a:t>그 두 수를 </a:t>
-            </a:r>
-            <a:r>
-              <a:rPr lang="en-US" altLang="ko-KR" sz="3200" dirty="0"/>
-              <a:t>a, b </a:t>
-            </a:r>
-            <a:r>
-              <a:rPr lang="ko-KR" altLang="en-US" sz="3200" dirty="0"/>
-              <a:t>에 </a:t>
-            </a:r>
-            <a:r>
-              <a:rPr lang="ko-KR" altLang="en-US" sz="3200" dirty="0" smtClean="0"/>
-              <a:t>저장한다</a:t>
-            </a:r>
-            <a:endParaRPr lang="en-US" altLang="ko-KR" sz="3200" dirty="0"/>
-          </a:p>
-          <a:p>
-            <a:pPr marL="514350" indent="-514350">
-              <a:buAutoNum type="arabicPeriod"/>
-            </a:pPr>
-            <a:endParaRPr lang="ko-KR" altLang="en-US" sz="3200" dirty="0"/>
-          </a:p>
-          <a:p>
-            <a:r>
-              <a:rPr lang="en-US" altLang="ko-KR" sz="3200" dirty="0"/>
-              <a:t>2.</a:t>
-            </a:r>
-            <a:r>
-              <a:rPr lang="ko-KR" altLang="en-US" sz="3200" dirty="0"/>
-              <a:t> 두 수중 </a:t>
-            </a:r>
-            <a:r>
-              <a:rPr lang="ko-KR" altLang="en-US" sz="3200" dirty="0" err="1"/>
-              <a:t>작은것을</a:t>
-            </a:r>
-            <a:r>
-              <a:rPr lang="ko-KR" altLang="en-US" sz="3200" dirty="0"/>
-              <a:t> 고른다</a:t>
-            </a:r>
-            <a:r>
-              <a:rPr lang="en-US" altLang="ko-KR" sz="3200" dirty="0"/>
-              <a:t>. </a:t>
-            </a:r>
-            <a:r>
-              <a:rPr lang="ko-KR" altLang="en-US" sz="3200" dirty="0"/>
-              <a:t>그 수를 </a:t>
-            </a:r>
-            <a:r>
-              <a:rPr lang="en-US" altLang="ko-KR" sz="3200" dirty="0"/>
-              <a:t>c</a:t>
-            </a:r>
-            <a:r>
-              <a:rPr lang="ko-KR" altLang="en-US" sz="3200" dirty="0"/>
-              <a:t>에 </a:t>
-            </a:r>
-            <a:r>
-              <a:rPr lang="ko-KR" altLang="en-US" sz="3200" dirty="0" smtClean="0"/>
-              <a:t>저장한다</a:t>
-            </a:r>
-            <a:endParaRPr lang="en-US" altLang="ko-KR" sz="3200" dirty="0" smtClean="0"/>
-          </a:p>
-          <a:p>
-            <a:endParaRPr lang="ko-KR" altLang="en-US" sz="3200" dirty="0"/>
-          </a:p>
-          <a:p>
-            <a:r>
-              <a:rPr lang="en-US" altLang="ko-KR" sz="3200" dirty="0"/>
-              <a:t>3.</a:t>
-            </a:r>
-            <a:r>
-              <a:rPr lang="ko-KR" altLang="en-US" sz="3200" dirty="0"/>
-              <a:t> </a:t>
-            </a:r>
-            <a:r>
-              <a:rPr lang="en-US" altLang="ko-KR" sz="3200" dirty="0"/>
-              <a:t>c</a:t>
-            </a:r>
-            <a:r>
-              <a:rPr lang="ko-KR" altLang="en-US" sz="3200" dirty="0"/>
-              <a:t>를 </a:t>
-            </a:r>
-            <a:r>
-              <a:rPr lang="en-US" altLang="ko-KR" sz="3200" dirty="0"/>
-              <a:t>1</a:t>
-            </a:r>
-            <a:r>
-              <a:rPr lang="ko-KR" altLang="en-US" sz="3200" dirty="0"/>
-              <a:t>씩 감소시키면서 </a:t>
-            </a:r>
-            <a:r>
-              <a:rPr lang="en-US" altLang="ko-KR" sz="3200" dirty="0"/>
-              <a:t>a, b</a:t>
-            </a:r>
-            <a:r>
-              <a:rPr lang="ko-KR" altLang="en-US" sz="3200" dirty="0"/>
-              <a:t>와 </a:t>
-            </a:r>
-            <a:r>
-              <a:rPr lang="ko-KR" altLang="en-US" sz="3200" dirty="0" smtClean="0"/>
-              <a:t>동시에 나누어 </a:t>
-            </a:r>
-            <a:endParaRPr lang="en-US" altLang="ko-KR" sz="3200" dirty="0" smtClean="0"/>
-          </a:p>
-          <a:p>
-            <a:r>
-              <a:rPr lang="en-US" altLang="ko-KR" sz="3200" dirty="0"/>
-              <a:t> </a:t>
-            </a:r>
-            <a:r>
-              <a:rPr lang="en-US" altLang="ko-KR" sz="3200" dirty="0" smtClean="0"/>
-              <a:t>  </a:t>
-            </a:r>
-            <a:r>
-              <a:rPr lang="ko-KR" altLang="en-US" sz="3200" dirty="0" smtClean="0"/>
-              <a:t>떨어질 </a:t>
-            </a:r>
-            <a:r>
-              <a:rPr lang="ko-KR" altLang="en-US" sz="3200" dirty="0"/>
-              <a:t>때를 찾는다</a:t>
-            </a:r>
-            <a:r>
-              <a:rPr lang="en-US" altLang="ko-KR" sz="3200" dirty="0"/>
-              <a:t>. </a:t>
-            </a:r>
-            <a:r>
-              <a:rPr lang="ko-KR" altLang="en-US" sz="3200" dirty="0" smtClean="0"/>
-              <a:t>맨 </a:t>
-            </a:r>
-            <a:r>
-              <a:rPr lang="ko-KR" altLang="en-US" sz="3200" dirty="0"/>
-              <a:t>처음 나누어 떨어질 때의 </a:t>
-            </a:r>
-            <a:endParaRPr lang="en-US" altLang="ko-KR" sz="3200" dirty="0" smtClean="0"/>
-          </a:p>
-          <a:p>
-            <a:r>
-              <a:rPr lang="en-US" altLang="ko-KR" sz="3200" dirty="0"/>
-              <a:t> </a:t>
-            </a:r>
-            <a:r>
-              <a:rPr lang="en-US" altLang="ko-KR" sz="3200" dirty="0" smtClean="0"/>
-              <a:t>  c</a:t>
-            </a:r>
-            <a:r>
-              <a:rPr lang="ko-KR" altLang="en-US" sz="3200" dirty="0"/>
-              <a:t>가 최대 공약수 이다</a:t>
-            </a:r>
-            <a:r>
-              <a:rPr lang="en-US" altLang="ko-KR" sz="3200" dirty="0"/>
-              <a:t>.</a:t>
-            </a:r>
+            <a:pPr algn="ctr"/>
+            <a:r>
+              <a:rPr lang="ko-KR" altLang="en-US" sz="8000" dirty="0" smtClean="0">
+                <a:latin typeface="나눔스퀘어" panose="020B0600000101010101" pitchFamily="50" charset="-127"/>
+                <a:ea typeface="나눔스퀘어" panose="020B0600000101010101" pitchFamily="50" charset="-127"/>
+              </a:rPr>
+              <a:t>컴퓨터에게 시키자</a:t>
+            </a:r>
+            <a:r>
+              <a:rPr lang="en-US" altLang="ko-KR" sz="8000" dirty="0" smtClean="0">
+                <a:latin typeface="나눔스퀘어" panose="020B0600000101010101" pitchFamily="50" charset="-127"/>
+                <a:ea typeface="나눔스퀘어" panose="020B0600000101010101" pitchFamily="50" charset="-127"/>
+              </a:rPr>
+              <a:t>!</a:t>
+            </a:r>
+            <a:endParaRPr lang="ko-KR" altLang="en-US" sz="8000" dirty="0">
+              <a:latin typeface="나눔스퀘어" panose="020B0600000101010101" pitchFamily="50" charset="-127"/>
+              <a:ea typeface="나눔스퀘어" panose="020B0600000101010101" pitchFamily="50" charset="-127"/>
+            </a:endParaRPr>
           </a:p>
         </p:txBody>
       </p:sp>
     </p:spTree>
     <p:extLst>
       <p:ext uri="{BB962C8B-B14F-4D97-AF65-F5344CB8AC3E}">
-        <p14:creationId xmlns:p14="http://schemas.microsoft.com/office/powerpoint/2010/main" val="1178512972"/>
+        <p14:creationId xmlns:p14="http://schemas.microsoft.com/office/powerpoint/2010/main" val="1580427136"/>
       </p:ext>
     </p:extLst>
   </p:cSld>
